--- a/DataChallenge2/slides/Intro_data_challenge_2.pptx
+++ b/DataChallenge2/slides/Intro_data_challenge_2.pptx
@@ -16893,8 +16893,8 @@
         </p:nvSpPr>
         <p:spPr>
           <a:xfrm>
-            <a:off x="628650" y="273844"/>
-            <a:ext cx="7886700" cy="994172"/>
+            <a:off x="628650" y="0"/>
+            <a:ext cx="7886700" cy="648891"/>
           </a:xfrm>
           <a:prstGeom prst="rect">
             <a:avLst/>
@@ -16928,7 +16928,7 @@
               <a:buNone/>
             </a:pPr>
             <a:r>
-              <a:rPr lang="en" b="0" i="0">
+              <a:rPr lang="en" b="0" i="0" dirty="0">
                 <a:latin typeface="Arial"/>
                 <a:ea typeface="Arial"/>
                 <a:cs typeface="Arial"/>
@@ -16936,7 +16936,7 @@
               </a:rPr>
               <a:t>How To Access Data Challenge:</a:t>
             </a:r>
-            <a:endParaRPr/>
+            <a:endParaRPr dirty="0"/>
           </a:p>
         </p:txBody>
       </p:sp>
@@ -16952,8 +16952,8 @@
         </p:nvSpPr>
         <p:spPr>
           <a:xfrm>
-            <a:off x="334736" y="1369219"/>
-            <a:ext cx="9143999" cy="3263504"/>
+            <a:off x="392999" y="753002"/>
+            <a:ext cx="8358002" cy="4374371"/>
           </a:xfrm>
           <a:prstGeom prst="rect">
             <a:avLst/>
@@ -16965,7 +16965,7 @@
         </p:spPr>
         <p:txBody>
           <a:bodyPr spcFirstLastPara="1" wrap="square" lIns="68575" tIns="34275" rIns="68575" bIns="34275" anchor="t" anchorCtr="0">
-            <a:normAutofit fontScale="62500" lnSpcReduction="20000"/>
+            <a:normAutofit fontScale="25000" lnSpcReduction="20000"/>
           </a:bodyPr>
           <a:lstStyle/>
           <a:p>
@@ -16986,7 +16986,7 @@
               <a:buChar char="•"/>
             </a:pPr>
             <a:r>
-              <a:rPr lang="en" b="0" i="0" dirty="0">
+              <a:rPr lang="en" sz="5600" b="0" i="0" dirty="0">
                 <a:latin typeface="Arial"/>
                 <a:ea typeface="Arial"/>
                 <a:cs typeface="Arial"/>
@@ -16995,7 +16995,7 @@
               <a:t>Access the GitHub repo </a:t>
             </a:r>
             <a:r>
-              <a:rPr lang="en" b="0" i="0" dirty="0" err="1">
+              <a:rPr lang="en" sz="5600" b="0" i="0" dirty="0" err="1">
                 <a:latin typeface="Arial"/>
                 <a:ea typeface="Arial"/>
                 <a:cs typeface="Arial"/>
@@ -17004,7 +17004,7 @@
               <a:t>RomanSpectraDataChallenge</a:t>
             </a:r>
             <a:r>
-              <a:rPr lang="en" b="0" i="0" dirty="0">
+              <a:rPr lang="en" sz="5600" b="0" i="0" dirty="0">
                 <a:latin typeface="Arial"/>
                 <a:ea typeface="Arial"/>
                 <a:cs typeface="Arial"/>
@@ -17013,14 +17013,14 @@
               <a:t> </a:t>
             </a:r>
             <a:br>
-              <a:rPr lang="en" dirty="0"/>
+              <a:rPr lang="en" sz="5600" dirty="0"/>
             </a:br>
             <a:r>
-              <a:rPr lang="en" dirty="0"/>
+              <a:rPr lang="en" sz="5600" dirty="0"/>
               <a:t>	</a:t>
             </a:r>
             <a:r>
-              <a:rPr lang="en" sz="1800" b="0" i="0" dirty="0">
+              <a:rPr lang="en" sz="5600" b="0" i="0" dirty="0">
                 <a:latin typeface="Arial"/>
                 <a:ea typeface="Arial"/>
                 <a:cs typeface="Arial"/>
@@ -17029,7 +17029,7 @@
               <a:t>a. Also accessible through </a:t>
             </a:r>
             <a:r>
-              <a:rPr lang="en" sz="1800" b="0" i="0" dirty="0" err="1">
+              <a:rPr lang="en" sz="5600" b="0" i="0" dirty="0" err="1">
                 <a:latin typeface="Arial"/>
                 <a:ea typeface="Arial"/>
                 <a:cs typeface="Arial"/>
@@ -17038,7 +17038,7 @@
               <a:t>url</a:t>
             </a:r>
             <a:r>
-              <a:rPr lang="en" sz="1800" b="0" i="0" dirty="0">
+              <a:rPr lang="en" sz="5600" b="0" i="0" dirty="0">
                 <a:latin typeface="Arial"/>
                 <a:ea typeface="Arial"/>
                 <a:cs typeface="Arial"/>
@@ -17047,7 +17047,7 @@
               <a:t>: </a:t>
             </a:r>
             <a:r>
-              <a:rPr lang="en-US" sz="1800" b="0" i="0" u="sng" dirty="0">
+              <a:rPr lang="en-US" sz="5600" b="0" i="0" u="sng" dirty="0">
                 <a:solidFill>
                   <a:schemeClr val="hlink"/>
                 </a:solidFill>
@@ -17059,7 +17059,7 @@
               <a:t>https://</a:t>
             </a:r>
             <a:r>
-              <a:rPr lang="en-US" sz="1800" b="0" i="0" u="sng" dirty="0" err="1">
+              <a:rPr lang="en-US" sz="5600" b="0" i="0" u="sng" dirty="0" err="1">
                 <a:solidFill>
                   <a:schemeClr val="hlink"/>
                 </a:solidFill>
@@ -17071,7 +17071,7 @@
               <a:t>github.com</a:t>
             </a:r>
             <a:r>
-              <a:rPr lang="en-US" sz="1800" b="0" i="0" u="sng" dirty="0">
+              <a:rPr lang="en-US" sz="5600" b="0" i="0" u="sng" dirty="0">
                 <a:solidFill>
                   <a:schemeClr val="hlink"/>
                 </a:solidFill>
@@ -17083,7 +17083,7 @@
               <a:t>/sangeetak20/</a:t>
             </a:r>
             <a:r>
-              <a:rPr lang="en-US" sz="1800" b="0" i="0" u="sng" dirty="0" err="1">
+              <a:rPr lang="en-US" sz="5600" b="0" i="0" u="sng" dirty="0" err="1">
                 <a:solidFill>
                   <a:schemeClr val="hlink"/>
                 </a:solidFill>
@@ -17095,7 +17095,7 @@
               <a:t>RomanSpectraDataChallenge</a:t>
             </a:r>
             <a:r>
-              <a:rPr lang="en-US" sz="1800" b="0" i="0" u="sng" dirty="0">
+              <a:rPr lang="en-US" sz="5600" b="0" i="0" u="sng" dirty="0">
                 <a:solidFill>
                   <a:schemeClr val="hlink"/>
                 </a:solidFill>
@@ -17107,9 +17107,9 @@
               <a:t>/tree/main/DataChallenge2</a:t>
             </a:r>
             <a:br>
-              <a:rPr lang="en" dirty="0"/>
+              <a:rPr lang="en" sz="5600" dirty="0"/>
             </a:br>
-            <a:endParaRPr dirty="0"/>
+            <a:endParaRPr sz="5600" dirty="0"/>
           </a:p>
           <a:p>
             <a:pPr marL="177800" lvl="0" indent="-174148" algn="l" rtl="0">
@@ -17129,7 +17129,7 @@
               <a:buChar char="•"/>
             </a:pPr>
             <a:r>
-              <a:rPr lang="en" b="0" i="0" dirty="0">
+              <a:rPr lang="en" sz="5600" b="0" i="0" dirty="0">
                 <a:latin typeface="Arial"/>
                 <a:ea typeface="Arial"/>
                 <a:cs typeface="Arial"/>
@@ -17138,9 +17138,9 @@
               <a:t>In upper right corner: &lt;&gt;Code → HTTPS → copy URL </a:t>
             </a:r>
             <a:br>
-              <a:rPr lang="en" dirty="0"/>
+              <a:rPr lang="en" sz="5600" dirty="0"/>
             </a:br>
-            <a:endParaRPr dirty="0"/>
+            <a:endParaRPr sz="5600" dirty="0"/>
           </a:p>
           <a:p>
             <a:pPr marL="177800" lvl="0" indent="-174148" algn="l" rtl="0">
@@ -17160,7 +17160,7 @@
               <a:buChar char="•"/>
             </a:pPr>
             <a:r>
-              <a:rPr lang="en" b="0" i="0" dirty="0">
+              <a:rPr lang="en" sz="5600" b="0" i="0" dirty="0">
                 <a:latin typeface="Arial"/>
                 <a:ea typeface="Arial"/>
                 <a:cs typeface="Arial"/>
@@ -17169,10 +17169,10 @@
               <a:t>To clone: go to terminal → </a:t>
             </a:r>
             <a:br>
-              <a:rPr lang="en" dirty="0"/>
+              <a:rPr lang="en" sz="5600" dirty="0"/>
             </a:br>
             <a:r>
-              <a:rPr lang="en" sz="1800" b="0" i="0" dirty="0">
+              <a:rPr lang="en" sz="5600" b="0" i="0" dirty="0">
                 <a:latin typeface="Arial"/>
                 <a:ea typeface="Arial"/>
                 <a:cs typeface="Arial"/>
@@ -17181,7 +17181,7 @@
               <a:t>git clone https://</a:t>
             </a:r>
             <a:r>
-              <a:rPr lang="en" sz="1800" b="0" i="0" dirty="0" err="1">
+              <a:rPr lang="en" sz="5600" b="0" i="0" dirty="0" err="1">
                 <a:latin typeface="Arial"/>
                 <a:ea typeface="Arial"/>
                 <a:cs typeface="Arial"/>
@@ -17190,7 +17190,7 @@
               <a:t>github.com</a:t>
             </a:r>
             <a:r>
-              <a:rPr lang="en" sz="1800" b="0" i="0" dirty="0">
+              <a:rPr lang="en" sz="5600" b="0" i="0" dirty="0">
                 <a:latin typeface="Arial"/>
                 <a:ea typeface="Arial"/>
                 <a:cs typeface="Arial"/>
@@ -17199,7 +17199,7 @@
               <a:t>/sangeetak20/</a:t>
             </a:r>
             <a:r>
-              <a:rPr lang="en" sz="1800" b="0" i="0" dirty="0" err="1">
+              <a:rPr lang="en" sz="5600" b="0" i="0" dirty="0" err="1">
                 <a:latin typeface="Arial"/>
                 <a:ea typeface="Arial"/>
                 <a:cs typeface="Arial"/>
@@ -17208,25 +17208,25 @@
               <a:t>RomanSpectraDataChallenge.git</a:t>
             </a:r>
             <a:br>
-              <a:rPr lang="en" sz="1800" dirty="0"/>
+              <a:rPr lang="en" sz="5600" dirty="0"/>
             </a:br>
-            <a:endParaRPr sz="1800" dirty="0"/>
+            <a:endParaRPr sz="5600" dirty="0"/>
           </a:p>
           <a:p>
             <a:pPr marL="346552" indent="-342900">
               <a:buSzPct val="100000"/>
             </a:pPr>
             <a:r>
-              <a:rPr lang="en-US" b="1" dirty="0"/>
+              <a:rPr lang="en-US" sz="5600" b="1" dirty="0"/>
               <a:t>To access </a:t>
             </a:r>
             <a:r>
-              <a:rPr lang="en-US" b="1" dirty="0" err="1"/>
+              <a:rPr lang="en-US" sz="5600" b="1" dirty="0" err="1"/>
               <a:t>Grism</a:t>
             </a:r>
             <a:r>
-              <a:rPr lang="en-US" b="1" dirty="0"/>
-              <a:t> demo:</a:t>
+              <a:rPr lang="en-US" sz="5600" b="1" dirty="0"/>
+              <a:t> demo notebook (simple summation):</a:t>
             </a:r>
           </a:p>
           <a:p>
@@ -17235,77 +17235,92 @@
               <a:buNone/>
             </a:pPr>
             <a:br>
-              <a:rPr lang="en-US" dirty="0"/>
+              <a:rPr lang="en-US" sz="5600" dirty="0"/>
             </a:br>
             <a:r>
-              <a:rPr lang="en-US" dirty="0">
+              <a:rPr lang="en-US" sz="5600" dirty="0">
                 <a:sym typeface="Wingdings" pitchFamily="2" charset="2"/>
               </a:rPr>
               <a:t></a:t>
             </a:r>
             <a:r>
-              <a:rPr lang="en-US" dirty="0"/>
+              <a:rPr lang="en-US" sz="5600" dirty="0"/>
               <a:t> </a:t>
             </a:r>
             <a:r>
-              <a:rPr lang="en-US" dirty="0" err="1"/>
+              <a:rPr lang="en-US" sz="5600" dirty="0" err="1"/>
               <a:t>RomanSpectraDataChallenge</a:t>
             </a:r>
             <a:r>
-              <a:rPr lang="en-US" dirty="0"/>
+              <a:rPr lang="en-US" sz="5600" dirty="0"/>
               <a:t> </a:t>
             </a:r>
             <a:r>
-              <a:rPr lang="en-US" dirty="0">
+              <a:rPr lang="en-US" sz="5600" dirty="0">
                 <a:sym typeface="Wingdings" pitchFamily="2" charset="2"/>
               </a:rPr>
               <a:t></a:t>
             </a:r>
             <a:r>
-              <a:rPr lang="en-US" dirty="0"/>
+              <a:rPr lang="en-US" sz="5600" dirty="0"/>
               <a:t> DataChallenge2 </a:t>
             </a:r>
             <a:r>
-              <a:rPr lang="en-US" dirty="0">
+              <a:rPr lang="en-US" sz="5600" dirty="0">
                 <a:sym typeface="Wingdings" pitchFamily="2" charset="2"/>
               </a:rPr>
               <a:t></a:t>
             </a:r>
             <a:r>
-              <a:rPr lang="en-US" dirty="0"/>
+              <a:rPr lang="en-US" sz="5600" dirty="0"/>
               <a:t> </a:t>
             </a:r>
             <a:r>
-              <a:rPr lang="en-US" dirty="0" err="1"/>
+              <a:rPr lang="en-US" sz="5600" dirty="0" err="1"/>
               <a:t>grism_demo</a:t>
             </a:r>
             <a:r>
-              <a:rPr lang="en-US" dirty="0"/>
+              <a:rPr lang="en-US" sz="5600" dirty="0"/>
               <a:t> </a:t>
             </a:r>
             <a:r>
-              <a:rPr lang="en-US" dirty="0">
+              <a:rPr lang="en-US" sz="5600" dirty="0">
                 <a:sym typeface="Wingdings" pitchFamily="2" charset="2"/>
               </a:rPr>
               <a:t></a:t>
             </a:r>
             <a:r>
-              <a:rPr lang="en-US" dirty="0"/>
+              <a:rPr lang="en-US" sz="5600" dirty="0"/>
               <a:t> </a:t>
             </a:r>
             <a:r>
-              <a:rPr lang="en-US" dirty="0" err="1"/>
+              <a:rPr lang="en-US" sz="5600" dirty="0" err="1"/>
               <a:t>Grism_extraction_simple_summation.ipynb</a:t>
             </a:r>
-            <a:endParaRPr lang="en-US" dirty="0"/>
+            <a:endParaRPr lang="en-US" sz="5600" dirty="0"/>
+          </a:p>
+          <a:p>
+            <a:pPr marL="3652" lvl="0" indent="0">
+              <a:buSzPct val="100000"/>
+              <a:buNone/>
+            </a:pPr>
+            <a:endParaRPr lang="en-US" sz="5600" dirty="0"/>
           </a:p>
           <a:p>
             <a:pPr marL="346552" indent="-342900">
               <a:buSzPct val="100000"/>
             </a:pPr>
             <a:r>
-              <a:rPr lang="en-US" b="1" dirty="0"/>
-              <a:t>To access Prism demo:</a:t>
+              <a:rPr lang="en-US" sz="5600" b="1" dirty="0"/>
+              <a:t>To access </a:t>
+            </a:r>
+            <a:r>
+              <a:rPr lang="en-US" sz="5600" b="1" dirty="0" err="1"/>
+              <a:t>Grism</a:t>
+            </a:r>
+            <a:r>
+              <a:rPr lang="en-US" sz="5600" b="1" dirty="0"/>
+              <a:t> demo notebook (optimal extraction):</a:t>
             </a:r>
           </a:p>
           <a:p>
@@ -17313,64 +17328,150 @@
               <a:buSzPct val="100000"/>
               <a:buNone/>
             </a:pPr>
+            <a:br>
+              <a:rPr lang="en-US" sz="5600" dirty="0"/>
+            </a:br>
             <a:r>
-              <a:rPr lang="en-US" dirty="0">
+              <a:rPr lang="en-US" sz="5600" dirty="0">
                 <a:sym typeface="Wingdings" pitchFamily="2" charset="2"/>
               </a:rPr>
               <a:t></a:t>
             </a:r>
             <a:r>
-              <a:rPr lang="en-US" dirty="0"/>
+              <a:rPr lang="en-US" sz="5600" dirty="0"/>
               <a:t> </a:t>
             </a:r>
             <a:r>
-              <a:rPr lang="en-US" dirty="0" err="1"/>
+              <a:rPr lang="en-US" sz="5600" dirty="0" err="1"/>
               <a:t>RomanSpectraDataChallenge</a:t>
             </a:r>
             <a:r>
-              <a:rPr lang="en-US" dirty="0"/>
+              <a:rPr lang="en-US" sz="5600" dirty="0"/>
               <a:t> </a:t>
             </a:r>
             <a:r>
-              <a:rPr lang="en-US" dirty="0">
+              <a:rPr lang="en-US" sz="5600" dirty="0">
                 <a:sym typeface="Wingdings" pitchFamily="2" charset="2"/>
               </a:rPr>
               <a:t></a:t>
             </a:r>
             <a:r>
-              <a:rPr lang="en-US" dirty="0"/>
+              <a:rPr lang="en-US" sz="5600" dirty="0"/>
               <a:t> DataChallenge2 </a:t>
             </a:r>
             <a:r>
-              <a:rPr lang="en-US" dirty="0">
+              <a:rPr lang="en-US" sz="5600" dirty="0">
                 <a:sym typeface="Wingdings" pitchFamily="2" charset="2"/>
               </a:rPr>
               <a:t></a:t>
             </a:r>
             <a:r>
-              <a:rPr lang="en-US" dirty="0"/>
+              <a:rPr lang="en-US" sz="5600" dirty="0"/>
               <a:t> </a:t>
             </a:r>
             <a:r>
-              <a:rPr lang="en-US" dirty="0" err="1"/>
-              <a:t>prism_demo</a:t>
+              <a:rPr lang="en-US" sz="5600" dirty="0" err="1"/>
+              <a:t>grism_demo</a:t>
             </a:r>
             <a:r>
-              <a:rPr lang="en-US" dirty="0"/>
+              <a:rPr lang="en-US" sz="5600" dirty="0"/>
               <a:t> </a:t>
             </a:r>
             <a:r>
-              <a:rPr lang="en-US" dirty="0">
+              <a:rPr lang="en-US" sz="5600" dirty="0">
                 <a:sym typeface="Wingdings" pitchFamily="2" charset="2"/>
               </a:rPr>
               <a:t></a:t>
             </a:r>
             <a:r>
-              <a:rPr lang="en-US" dirty="0"/>
+              <a:rPr lang="en-US" sz="5600" dirty="0"/>
+              <a:t> </a:t>
+            </a:r>
+            <a:r>
+              <a:rPr lang="en-US" sz="5600" dirty="0" err="1"/>
+              <a:t>Grism_optimal_extraction.ipynb</a:t>
+            </a:r>
+            <a:endParaRPr lang="en-US" sz="5600" dirty="0"/>
+          </a:p>
+          <a:p>
+            <a:pPr marL="3652" lvl="0" indent="0">
+              <a:buSzPct val="100000"/>
+              <a:buNone/>
+            </a:pPr>
+            <a:endParaRPr lang="en-US" sz="5600" dirty="0"/>
+          </a:p>
+          <a:p>
+            <a:pPr marL="346552" indent="-342900">
+              <a:buSzPct val="100000"/>
+            </a:pPr>
+            <a:r>
+              <a:rPr lang="en-US" sz="5600" b="1" dirty="0"/>
+              <a:t>To access Prism demo notebook :</a:t>
+            </a:r>
+          </a:p>
+          <a:p>
+            <a:pPr marL="3652" lvl="0" indent="0">
+              <a:buSzPct val="100000"/>
+              <a:buNone/>
+            </a:pPr>
+            <a:r>
+              <a:rPr lang="en-US" sz="5600" dirty="0">
+                <a:sym typeface="Wingdings" pitchFamily="2" charset="2"/>
+              </a:rPr>
+              <a:t></a:t>
+            </a:r>
+            <a:r>
+              <a:rPr lang="en-US" sz="5600" dirty="0"/>
+              <a:t> </a:t>
+            </a:r>
+            <a:r>
+              <a:rPr lang="en-US" sz="5600" dirty="0" err="1"/>
+              <a:t>RomanSpectraDataChallenge</a:t>
+            </a:r>
+            <a:r>
+              <a:rPr lang="en-US" sz="5600" dirty="0"/>
+              <a:t> </a:t>
+            </a:r>
+            <a:r>
+              <a:rPr lang="en-US" sz="5600" dirty="0">
+                <a:sym typeface="Wingdings" pitchFamily="2" charset="2"/>
+              </a:rPr>
+              <a:t></a:t>
+            </a:r>
+            <a:r>
+              <a:rPr lang="en-US" sz="5600" dirty="0"/>
+              <a:t> DataChallenge2 </a:t>
+            </a:r>
+            <a:r>
+              <a:rPr lang="en-US" sz="5600" dirty="0">
+                <a:sym typeface="Wingdings" pitchFamily="2" charset="2"/>
+              </a:rPr>
+              <a:t></a:t>
+            </a:r>
+            <a:r>
+              <a:rPr lang="en-US" sz="5600" dirty="0"/>
+              <a:t> </a:t>
+            </a:r>
+            <a:r>
+              <a:rPr lang="en-US" sz="5600" dirty="0" err="1"/>
+              <a:t>prism_demo</a:t>
+            </a:r>
+            <a:r>
+              <a:rPr lang="en-US" sz="5600" dirty="0"/>
+              <a:t> </a:t>
+            </a:r>
+            <a:r>
+              <a:rPr lang="en-US" sz="5600" dirty="0">
+                <a:sym typeface="Wingdings" pitchFamily="2" charset="2"/>
+              </a:rPr>
+              <a:t></a:t>
+            </a:r>
+            <a:r>
+              <a:rPr lang="en-US" sz="5600" dirty="0"/>
               <a:t> 1d_spectral_extraction_using_simple_summation_and_optimum_spectral_extraction.ipynb</a:t>
             </a:r>
             <a:br>
-              <a:rPr lang="en" b="0" i="0" dirty="0">
+              <a:rPr lang="en" sz="4500" b="0" i="0" dirty="0">
                 <a:solidFill>
                   <a:srgbClr val="1D1C1D"/>
                 </a:solidFill>
@@ -17380,7 +17481,7 @@
                 <a:sym typeface="Lato"/>
               </a:rPr>
             </a:br>
-            <a:endParaRPr b="0" i="0" dirty="0">
+            <a:endParaRPr sz="4500" b="0" i="0" dirty="0">
               <a:solidFill>
                 <a:srgbClr val="1D1C1D"/>
               </a:solidFill>
